--- a/AI檢測V4.pptx
+++ b/AI檢測V4.pptx
@@ -441,11 +441,11 @@
           <c:showBubbleSize val="0"/>
         </c:dLbls>
         <c:gapWidth val="150"/>
-        <c:axId val="300100224"/>
-        <c:axId val="300106112"/>
+        <c:axId val="336360576"/>
+        <c:axId val="336362112"/>
       </c:barChart>
       <c:catAx>
-        <c:axId val="300100224"/>
+        <c:axId val="336360576"/>
         <c:scaling>
           <c:orientation val="minMax"/>
         </c:scaling>
@@ -464,7 +464,7 @@
             <a:endParaRPr lang="zh-TW"/>
           </a:p>
         </c:txPr>
-        <c:crossAx val="300106112"/>
+        <c:crossAx val="336362112"/>
         <c:crosses val="autoZero"/>
         <c:auto val="1"/>
         <c:lblAlgn val="ctr"/>
@@ -472,7 +472,7 @@
         <c:noMultiLvlLbl val="0"/>
       </c:catAx>
       <c:valAx>
-        <c:axId val="300106112"/>
+        <c:axId val="336362112"/>
         <c:scaling>
           <c:orientation val="minMax"/>
         </c:scaling>
@@ -493,7 +493,7 @@
             <a:endParaRPr lang="zh-TW"/>
           </a:p>
         </c:txPr>
-        <c:crossAx val="300100224"/>
+        <c:crossAx val="336360576"/>
         <c:crosses val="autoZero"/>
         <c:crossBetween val="between"/>
       </c:valAx>
@@ -710,11 +710,11 @@
           <c:showBubbleSize val="0"/>
         </c:dLbls>
         <c:gapWidth val="150"/>
-        <c:axId val="300137088"/>
-        <c:axId val="300147072"/>
+        <c:axId val="336389248"/>
+        <c:axId val="336390784"/>
       </c:barChart>
       <c:catAx>
-        <c:axId val="300137088"/>
+        <c:axId val="336389248"/>
         <c:scaling>
           <c:orientation val="minMax"/>
         </c:scaling>
@@ -733,7 +733,7 @@
             <a:endParaRPr lang="zh-TW"/>
           </a:p>
         </c:txPr>
-        <c:crossAx val="300147072"/>
+        <c:crossAx val="336390784"/>
         <c:crosses val="autoZero"/>
         <c:auto val="1"/>
         <c:lblAlgn val="ctr"/>
@@ -741,7 +741,7 @@
         <c:noMultiLvlLbl val="0"/>
       </c:catAx>
       <c:valAx>
-        <c:axId val="300147072"/>
+        <c:axId val="336390784"/>
         <c:scaling>
           <c:orientation val="minMax"/>
         </c:scaling>
@@ -762,7 +762,7 @@
             <a:endParaRPr lang="zh-TW"/>
           </a:p>
         </c:txPr>
-        <c:crossAx val="300137088"/>
+        <c:crossAx val="336389248"/>
         <c:crosses val="autoZero"/>
         <c:crossBetween val="between"/>
       </c:valAx>
@@ -969,11 +969,11 @@
           <c:showBubbleSize val="0"/>
         </c:dLbls>
         <c:gapWidth val="150"/>
-        <c:axId val="300182144"/>
-        <c:axId val="300188032"/>
+        <c:axId val="336704640"/>
+        <c:axId val="336706176"/>
       </c:barChart>
       <c:catAx>
-        <c:axId val="300182144"/>
+        <c:axId val="336704640"/>
         <c:scaling>
           <c:orientation val="minMax"/>
         </c:scaling>
@@ -992,7 +992,7 @@
             <a:endParaRPr lang="zh-TW"/>
           </a:p>
         </c:txPr>
-        <c:crossAx val="300188032"/>
+        <c:crossAx val="336706176"/>
         <c:crosses val="autoZero"/>
         <c:auto val="1"/>
         <c:lblAlgn val="ctr"/>
@@ -1000,7 +1000,7 @@
         <c:noMultiLvlLbl val="0"/>
       </c:catAx>
       <c:valAx>
-        <c:axId val="300188032"/>
+        <c:axId val="336706176"/>
         <c:scaling>
           <c:orientation val="minMax"/>
         </c:scaling>
@@ -1021,7 +1021,7 @@
             <a:endParaRPr lang="zh-TW"/>
           </a:p>
         </c:txPr>
-        <c:crossAx val="300182144"/>
+        <c:crossAx val="336704640"/>
         <c:crosses val="autoZero"/>
         <c:crossBetween val="between"/>
       </c:valAx>
@@ -1152,8 +1152,8 @@
         </c:dLbls>
         <c:marker val="1"/>
         <c:smooth val="0"/>
-        <c:axId val="300459904"/>
-        <c:axId val="300461440"/>
+        <c:axId val="336451072"/>
+        <c:axId val="336452608"/>
       </c:lineChart>
       <c:lineChart>
         <c:grouping val="standard"/>
@@ -1217,11 +1217,11 @@
         </c:dLbls>
         <c:marker val="1"/>
         <c:smooth val="0"/>
-        <c:axId val="300465536"/>
-        <c:axId val="300463616"/>
+        <c:axId val="336600064"/>
+        <c:axId val="336598144"/>
       </c:lineChart>
       <c:catAx>
-        <c:axId val="300459904"/>
+        <c:axId val="336451072"/>
         <c:scaling>
           <c:orientation val="minMax"/>
         </c:scaling>
@@ -1240,7 +1240,7 @@
             <a:endParaRPr lang="zh-TW"/>
           </a:p>
         </c:txPr>
-        <c:crossAx val="300461440"/>
+        <c:crossAx val="336452608"/>
         <c:crosses val="autoZero"/>
         <c:auto val="1"/>
         <c:lblAlgn val="ctr"/>
@@ -1248,7 +1248,7 @@
         <c:noMultiLvlLbl val="0"/>
       </c:catAx>
       <c:valAx>
-        <c:axId val="300461440"/>
+        <c:axId val="336452608"/>
         <c:scaling>
           <c:orientation val="minMax"/>
         </c:scaling>
@@ -1289,12 +1289,12 @@
             <a:endParaRPr lang="zh-TW"/>
           </a:p>
         </c:txPr>
-        <c:crossAx val="300459904"/>
+        <c:crossAx val="336451072"/>
         <c:crosses val="autoZero"/>
         <c:crossBetween val="between"/>
       </c:valAx>
       <c:valAx>
-        <c:axId val="300463616"/>
+        <c:axId val="336598144"/>
         <c:scaling>
           <c:orientation val="minMax"/>
           <c:max val="1"/>
@@ -1336,12 +1336,12 @@
             <a:endParaRPr lang="zh-TW"/>
           </a:p>
         </c:txPr>
-        <c:crossAx val="300465536"/>
+        <c:crossAx val="336600064"/>
         <c:crosses val="max"/>
         <c:crossBetween val="between"/>
       </c:valAx>
       <c:catAx>
-        <c:axId val="300465536"/>
+        <c:axId val="336600064"/>
         <c:scaling>
           <c:orientation val="minMax"/>
         </c:scaling>
@@ -1350,7 +1350,7 @@
         <c:majorTickMark val="out"/>
         <c:minorTickMark val="none"/>
         <c:tickLblPos val="nextTo"/>
-        <c:crossAx val="300463616"/>
+        <c:crossAx val="336598144"/>
         <c:crosses val="autoZero"/>
         <c:auto val="1"/>
         <c:lblAlgn val="ctr"/>
@@ -1579,11 +1579,11 @@
           <c:showBubbleSize val="0"/>
         </c:dLbls>
         <c:gapWidth val="150"/>
-        <c:axId val="281864832"/>
-        <c:axId val="281936256"/>
+        <c:axId val="300787584"/>
+        <c:axId val="300789120"/>
       </c:barChart>
       <c:catAx>
-        <c:axId val="281864832"/>
+        <c:axId val="300787584"/>
         <c:scaling>
           <c:orientation val="minMax"/>
         </c:scaling>
@@ -1602,7 +1602,7 @@
             <a:endParaRPr lang="zh-TW"/>
           </a:p>
         </c:txPr>
-        <c:crossAx val="281936256"/>
+        <c:crossAx val="300789120"/>
         <c:crosses val="autoZero"/>
         <c:auto val="1"/>
         <c:lblAlgn val="ctr"/>
@@ -1610,7 +1610,7 @@
         <c:noMultiLvlLbl val="0"/>
       </c:catAx>
       <c:valAx>
-        <c:axId val="281936256"/>
+        <c:axId val="300789120"/>
         <c:scaling>
           <c:orientation val="minMax"/>
         </c:scaling>
@@ -1631,7 +1631,7 @@
             <a:endParaRPr lang="zh-TW"/>
           </a:p>
         </c:txPr>
-        <c:crossAx val="281864832"/>
+        <c:crossAx val="300787584"/>
         <c:crosses val="autoZero"/>
         <c:crossBetween val="between"/>
       </c:valAx>
@@ -1895,11 +1895,11 @@
           <c:showBubbleSize val="0"/>
         </c:dLbls>
         <c:gapWidth val="150"/>
-        <c:axId val="281950848"/>
-        <c:axId val="281952640"/>
+        <c:axId val="300697472"/>
+        <c:axId val="300699008"/>
       </c:barChart>
       <c:catAx>
-        <c:axId val="281950848"/>
+        <c:axId val="300697472"/>
         <c:scaling>
           <c:orientation val="minMax"/>
         </c:scaling>
@@ -1918,7 +1918,7 @@
             <a:endParaRPr lang="zh-TW"/>
           </a:p>
         </c:txPr>
-        <c:crossAx val="281952640"/>
+        <c:crossAx val="300699008"/>
         <c:crosses val="autoZero"/>
         <c:auto val="1"/>
         <c:lblAlgn val="ctr"/>
@@ -1926,7 +1926,7 @@
         <c:noMultiLvlLbl val="0"/>
       </c:catAx>
       <c:valAx>
-        <c:axId val="281952640"/>
+        <c:axId val="300699008"/>
         <c:scaling>
           <c:orientation val="minMax"/>
         </c:scaling>
@@ -1947,7 +1947,7 @@
             <a:endParaRPr lang="zh-TW"/>
           </a:p>
         </c:txPr>
-        <c:crossAx val="281950848"/>
+        <c:crossAx val="300697472"/>
         <c:crosses val="autoZero"/>
         <c:crossBetween val="between"/>
       </c:valAx>
@@ -2158,7 +2158,7 @@
           <a:p>
             <a:fld id="{7B75E6FB-39B1-431E-9101-6DF9EADE1316}" type="datetimeFigureOut">
               <a:rPr lang="zh-TW" altLang="en-US" smtClean="0"/>
-              <a:t>2025/3/6</a:t>
+              <a:t>2025/3/10</a:t>
             </a:fld>
             <a:endParaRPr lang="zh-TW" altLang="en-US"/>
           </a:p>
@@ -2328,7 +2328,7 @@
           <a:p>
             <a:fld id="{7B75E6FB-39B1-431E-9101-6DF9EADE1316}" type="datetimeFigureOut">
               <a:rPr lang="zh-TW" altLang="en-US" smtClean="0"/>
-              <a:t>2025/3/6</a:t>
+              <a:t>2025/3/10</a:t>
             </a:fld>
             <a:endParaRPr lang="zh-TW" altLang="en-US"/>
           </a:p>
@@ -2508,7 +2508,7 @@
           <a:p>
             <a:fld id="{7B75E6FB-39B1-431E-9101-6DF9EADE1316}" type="datetimeFigureOut">
               <a:rPr lang="zh-TW" altLang="en-US" smtClean="0"/>
-              <a:t>2025/3/6</a:t>
+              <a:t>2025/3/10</a:t>
             </a:fld>
             <a:endParaRPr lang="zh-TW" altLang="en-US"/>
           </a:p>
@@ -2678,7 +2678,7 @@
           <a:p>
             <a:fld id="{7B75E6FB-39B1-431E-9101-6DF9EADE1316}" type="datetimeFigureOut">
               <a:rPr lang="zh-TW" altLang="en-US" smtClean="0"/>
-              <a:t>2025/3/6</a:t>
+              <a:t>2025/3/10</a:t>
             </a:fld>
             <a:endParaRPr lang="zh-TW" altLang="en-US"/>
           </a:p>
@@ -2924,7 +2924,7 @@
           <a:p>
             <a:fld id="{7B75E6FB-39B1-431E-9101-6DF9EADE1316}" type="datetimeFigureOut">
               <a:rPr lang="zh-TW" altLang="en-US" smtClean="0"/>
-              <a:t>2025/3/6</a:t>
+              <a:t>2025/3/10</a:t>
             </a:fld>
             <a:endParaRPr lang="zh-TW" altLang="en-US"/>
           </a:p>
@@ -3212,7 +3212,7 @@
           <a:p>
             <a:fld id="{7B75E6FB-39B1-431E-9101-6DF9EADE1316}" type="datetimeFigureOut">
               <a:rPr lang="zh-TW" altLang="en-US" smtClean="0"/>
-              <a:t>2025/3/6</a:t>
+              <a:t>2025/3/10</a:t>
             </a:fld>
             <a:endParaRPr lang="zh-TW" altLang="en-US"/>
           </a:p>
@@ -3634,7 +3634,7 @@
           <a:p>
             <a:fld id="{7B75E6FB-39B1-431E-9101-6DF9EADE1316}" type="datetimeFigureOut">
               <a:rPr lang="zh-TW" altLang="en-US" smtClean="0"/>
-              <a:t>2025/3/6</a:t>
+              <a:t>2025/3/10</a:t>
             </a:fld>
             <a:endParaRPr lang="zh-TW" altLang="en-US"/>
           </a:p>
@@ -3752,7 +3752,7 @@
           <a:p>
             <a:fld id="{7B75E6FB-39B1-431E-9101-6DF9EADE1316}" type="datetimeFigureOut">
               <a:rPr lang="zh-TW" altLang="en-US" smtClean="0"/>
-              <a:t>2025/3/6</a:t>
+              <a:t>2025/3/10</a:t>
             </a:fld>
             <a:endParaRPr lang="zh-TW" altLang="en-US"/>
           </a:p>
@@ -3847,7 +3847,7 @@
           <a:p>
             <a:fld id="{7B75E6FB-39B1-431E-9101-6DF9EADE1316}" type="datetimeFigureOut">
               <a:rPr lang="zh-TW" altLang="en-US" smtClean="0"/>
-              <a:t>2025/3/6</a:t>
+              <a:t>2025/3/10</a:t>
             </a:fld>
             <a:endParaRPr lang="zh-TW" altLang="en-US"/>
           </a:p>
@@ -4124,7 +4124,7 @@
           <a:p>
             <a:fld id="{7B75E6FB-39B1-431E-9101-6DF9EADE1316}" type="datetimeFigureOut">
               <a:rPr lang="zh-TW" altLang="en-US" smtClean="0"/>
-              <a:t>2025/3/6</a:t>
+              <a:t>2025/3/10</a:t>
             </a:fld>
             <a:endParaRPr lang="zh-TW" altLang="en-US"/>
           </a:p>
@@ -4377,7 +4377,7 @@
           <a:p>
             <a:fld id="{7B75E6FB-39B1-431E-9101-6DF9EADE1316}" type="datetimeFigureOut">
               <a:rPr lang="zh-TW" altLang="en-US" smtClean="0"/>
-              <a:t>2025/3/6</a:t>
+              <a:t>2025/3/10</a:t>
             </a:fld>
             <a:endParaRPr lang="zh-TW" altLang="en-US"/>
           </a:p>
@@ -4590,7 +4590,7 @@
           <a:p>
             <a:fld id="{7B75E6FB-39B1-431E-9101-6DF9EADE1316}" type="datetimeFigureOut">
               <a:rPr lang="zh-TW" altLang="en-US" smtClean="0"/>
-              <a:t>2025/3/6</a:t>
+              <a:t>2025/3/10</a:t>
             </a:fld>
             <a:endParaRPr lang="zh-TW" altLang="en-US"/>
           </a:p>
@@ -5016,6 +5016,211 @@
               <a:t>Teng</a:t>
             </a:r>
             <a:endParaRPr lang="zh-TW" altLang="en-US" dirty="0"/>
+          </a:p>
+        </p:txBody>
+      </p:sp>
+      <p:sp>
+        <p:nvSpPr>
+          <p:cNvPr id="5" name="副標題 2"/>
+          <p:cNvSpPr txBox="1">
+            <a:spLocks/>
+          </p:cNvSpPr>
+          <p:nvPr/>
+        </p:nvSpPr>
+        <p:spPr>
+          <a:xfrm>
+            <a:off x="-12076" y="0"/>
+            <a:ext cx="1487732" cy="6858000"/>
+          </a:xfrm>
+          <a:prstGeom prst="rect">
+            <a:avLst/>
+          </a:prstGeom>
+        </p:spPr>
+        <p:txBody>
+          <a:bodyPr vert="horz" lIns="91440" tIns="45720" rIns="91440" bIns="45720" rtlCol="0">
+            <a:normAutofit/>
+          </a:bodyPr>
+          <a:lstStyle>
+            <a:lvl1pPr marL="0" indent="0" algn="ctr" defTabSz="914400" rtl="0" eaLnBrk="1" latinLnBrk="0" hangingPunct="1">
+              <a:spcBef>
+                <a:spcPct val="20000"/>
+              </a:spcBef>
+              <a:buFont typeface="Arial" panose="020B0604020202020204" pitchFamily="34" charset="0"/>
+              <a:buNone/>
+              <a:defRPr sz="3200" kern="1200">
+                <a:solidFill>
+                  <a:schemeClr val="tx1">
+                    <a:tint val="75000"/>
+                  </a:schemeClr>
+                </a:solidFill>
+                <a:latin typeface="+mn-lt"/>
+                <a:ea typeface="+mn-ea"/>
+                <a:cs typeface="+mn-cs"/>
+              </a:defRPr>
+            </a:lvl1pPr>
+            <a:lvl2pPr marL="457200" indent="0" algn="ctr" defTabSz="914400" rtl="0" eaLnBrk="1" latinLnBrk="0" hangingPunct="1">
+              <a:spcBef>
+                <a:spcPct val="20000"/>
+              </a:spcBef>
+              <a:buFont typeface="Arial" panose="020B0604020202020204" pitchFamily="34" charset="0"/>
+              <a:buNone/>
+              <a:defRPr sz="2800" kern="1200">
+                <a:solidFill>
+                  <a:schemeClr val="tx1">
+                    <a:tint val="75000"/>
+                  </a:schemeClr>
+                </a:solidFill>
+                <a:latin typeface="+mn-lt"/>
+                <a:ea typeface="+mn-ea"/>
+                <a:cs typeface="+mn-cs"/>
+              </a:defRPr>
+            </a:lvl2pPr>
+            <a:lvl3pPr marL="914400" indent="0" algn="ctr" defTabSz="914400" rtl="0" eaLnBrk="1" latinLnBrk="0" hangingPunct="1">
+              <a:spcBef>
+                <a:spcPct val="20000"/>
+              </a:spcBef>
+              <a:buFont typeface="Arial" panose="020B0604020202020204" pitchFamily="34" charset="0"/>
+              <a:buNone/>
+              <a:defRPr sz="2400" kern="1200">
+                <a:solidFill>
+                  <a:schemeClr val="tx1">
+                    <a:tint val="75000"/>
+                  </a:schemeClr>
+                </a:solidFill>
+                <a:latin typeface="+mn-lt"/>
+                <a:ea typeface="+mn-ea"/>
+                <a:cs typeface="+mn-cs"/>
+              </a:defRPr>
+            </a:lvl3pPr>
+            <a:lvl4pPr marL="1371600" indent="0" algn="ctr" defTabSz="914400" rtl="0" eaLnBrk="1" latinLnBrk="0" hangingPunct="1">
+              <a:spcBef>
+                <a:spcPct val="20000"/>
+              </a:spcBef>
+              <a:buFont typeface="Arial" panose="020B0604020202020204" pitchFamily="34" charset="0"/>
+              <a:buNone/>
+              <a:defRPr sz="2000" kern="1200">
+                <a:solidFill>
+                  <a:schemeClr val="tx1">
+                    <a:tint val="75000"/>
+                  </a:schemeClr>
+                </a:solidFill>
+                <a:latin typeface="+mn-lt"/>
+                <a:ea typeface="+mn-ea"/>
+                <a:cs typeface="+mn-cs"/>
+              </a:defRPr>
+            </a:lvl4pPr>
+            <a:lvl5pPr marL="1828800" indent="0" algn="ctr" defTabSz="914400" rtl="0" eaLnBrk="1" latinLnBrk="0" hangingPunct="1">
+              <a:spcBef>
+                <a:spcPct val="20000"/>
+              </a:spcBef>
+              <a:buFont typeface="Arial" panose="020B0604020202020204" pitchFamily="34" charset="0"/>
+              <a:buNone/>
+              <a:defRPr sz="2000" kern="1200">
+                <a:solidFill>
+                  <a:schemeClr val="tx1">
+                    <a:tint val="75000"/>
+                  </a:schemeClr>
+                </a:solidFill>
+                <a:latin typeface="+mn-lt"/>
+                <a:ea typeface="+mn-ea"/>
+                <a:cs typeface="+mn-cs"/>
+              </a:defRPr>
+            </a:lvl5pPr>
+            <a:lvl6pPr marL="2286000" indent="0" algn="ctr" defTabSz="914400" rtl="0" eaLnBrk="1" latinLnBrk="0" hangingPunct="1">
+              <a:spcBef>
+                <a:spcPct val="20000"/>
+              </a:spcBef>
+              <a:buFont typeface="Arial" panose="020B0604020202020204" pitchFamily="34" charset="0"/>
+              <a:buNone/>
+              <a:defRPr sz="2000" kern="1200">
+                <a:solidFill>
+                  <a:schemeClr val="tx1">
+                    <a:tint val="75000"/>
+                  </a:schemeClr>
+                </a:solidFill>
+                <a:latin typeface="+mn-lt"/>
+                <a:ea typeface="+mn-ea"/>
+                <a:cs typeface="+mn-cs"/>
+              </a:defRPr>
+            </a:lvl6pPr>
+            <a:lvl7pPr marL="2743200" indent="0" algn="ctr" defTabSz="914400" rtl="0" eaLnBrk="1" latinLnBrk="0" hangingPunct="1">
+              <a:spcBef>
+                <a:spcPct val="20000"/>
+              </a:spcBef>
+              <a:buFont typeface="Arial" panose="020B0604020202020204" pitchFamily="34" charset="0"/>
+              <a:buNone/>
+              <a:defRPr sz="2000" kern="1200">
+                <a:solidFill>
+                  <a:schemeClr val="tx1">
+                    <a:tint val="75000"/>
+                  </a:schemeClr>
+                </a:solidFill>
+                <a:latin typeface="+mn-lt"/>
+                <a:ea typeface="+mn-ea"/>
+                <a:cs typeface="+mn-cs"/>
+              </a:defRPr>
+            </a:lvl7pPr>
+            <a:lvl8pPr marL="3200400" indent="0" algn="ctr" defTabSz="914400" rtl="0" eaLnBrk="1" latinLnBrk="0" hangingPunct="1">
+              <a:spcBef>
+                <a:spcPct val="20000"/>
+              </a:spcBef>
+              <a:buFont typeface="Arial" panose="020B0604020202020204" pitchFamily="34" charset="0"/>
+              <a:buNone/>
+              <a:defRPr sz="2000" kern="1200">
+                <a:solidFill>
+                  <a:schemeClr val="tx1">
+                    <a:tint val="75000"/>
+                  </a:schemeClr>
+                </a:solidFill>
+                <a:latin typeface="+mn-lt"/>
+                <a:ea typeface="+mn-ea"/>
+                <a:cs typeface="+mn-cs"/>
+              </a:defRPr>
+            </a:lvl8pPr>
+            <a:lvl9pPr marL="3657600" indent="0" algn="ctr" defTabSz="914400" rtl="0" eaLnBrk="1" latinLnBrk="0" hangingPunct="1">
+              <a:spcBef>
+                <a:spcPct val="20000"/>
+              </a:spcBef>
+              <a:buFont typeface="Arial" panose="020B0604020202020204" pitchFamily="34" charset="0"/>
+              <a:buNone/>
+              <a:defRPr sz="2000" kern="1200">
+                <a:solidFill>
+                  <a:schemeClr val="tx1">
+                    <a:tint val="75000"/>
+                  </a:schemeClr>
+                </a:solidFill>
+                <a:latin typeface="+mn-lt"/>
+                <a:ea typeface="+mn-ea"/>
+                <a:cs typeface="+mn-cs"/>
+              </a:defRPr>
+            </a:lvl9pPr>
+          </a:lstStyle>
+          <a:p>
+            <a:r>
+              <a:rPr lang="en-US" altLang="zh-TW" sz="2400" dirty="0" smtClean="0">
+                <a:hlinkClick r:id="rId2" action="ppaction://hlinksldjump"/>
+              </a:rPr>
+              <a:t>20250224</a:t>
+            </a:r>
+            <a:endParaRPr lang="en-US" altLang="zh-TW" sz="2400" dirty="0" smtClean="0"/>
+          </a:p>
+          <a:p>
+            <a:r>
+              <a:rPr lang="en-US" altLang="zh-TW" sz="2400" dirty="0" smtClean="0">
+                <a:hlinkClick r:id="rId3" action="ppaction://hlinksldjump"/>
+              </a:rPr>
+              <a:t>20250303</a:t>
+            </a:r>
+            <a:endParaRPr lang="en-US" altLang="zh-TW" sz="2400" dirty="0" smtClean="0"/>
+          </a:p>
+          <a:p>
+            <a:r>
+              <a:rPr lang="en-US" altLang="zh-TW" sz="2400" dirty="0" smtClean="0">
+                <a:hlinkClick r:id="rId4" action="ppaction://hlinksldjump"/>
+              </a:rPr>
+              <a:t>20250310</a:t>
+            </a:r>
+            <a:endParaRPr lang="en-US" altLang="zh-TW" sz="2400" dirty="0" smtClean="0"/>
           </a:p>
         </p:txBody>
       </p:sp>
@@ -8998,13 +9203,13 @@
             <p:ph idx="1"/>
             <p:extLst>
               <p:ext uri="{D42A27DB-BD31-4B8C-83A1-F6EECF244321}">
-                <p14:modId xmlns:p14="http://schemas.microsoft.com/office/powerpoint/2010/main" val="2935099247"/>
+                <p14:modId xmlns:p14="http://schemas.microsoft.com/office/powerpoint/2010/main" val="1163663361"/>
               </p:ext>
             </p:extLst>
           </p:nvPr>
         </p:nvGraphicFramePr>
         <p:xfrm>
-          <a:off x="323529" y="1600200"/>
+          <a:off x="323529" y="1268760"/>
           <a:ext cx="8496942" cy="3383280"/>
         </p:xfrm>
         <a:graphic>
@@ -9052,7 +9257,7 @@
                           <a:ea typeface="標楷體" panose="03000509000000000000" pitchFamily="65" charset="-120"/>
                           <a:cs typeface="Times New Roman" panose="02020603050405020304" pitchFamily="18" charset="0"/>
                         </a:rPr>
-                        <a:t>特性</a:t>
+                        <a:t>原理</a:t>
                       </a:r>
                       <a:endParaRPr lang="zh-TW" altLang="en-US" sz="2400" dirty="0">
                         <a:latin typeface="Times New Roman" panose="02020603050405020304" pitchFamily="18" charset="0"/>
@@ -9128,24 +9333,9 @@
                           <a:ea typeface="標楷體" panose="03000509000000000000" pitchFamily="65" charset="-120"/>
                           <a:cs typeface="Times New Roman" panose="02020603050405020304" pitchFamily="18" charset="0"/>
                         </a:rPr>
-                        <a:t>影像品質差</a:t>
+                        <a:t>選擇最接近像素值</a:t>
                       </a:r>
                       <a:endParaRPr lang="en-US" altLang="zh-TW" sz="2400" dirty="0" smtClean="0">
-                        <a:latin typeface="Times New Roman" panose="02020603050405020304" pitchFamily="18" charset="0"/>
-                        <a:ea typeface="標楷體" panose="03000509000000000000" pitchFamily="65" charset="-120"/>
-                        <a:cs typeface="Times New Roman" panose="02020603050405020304" pitchFamily="18" charset="0"/>
-                      </a:endParaRPr>
-                    </a:p>
-                    <a:p>
-                      <a:r>
-                        <a:rPr lang="zh-TW" altLang="en-US" sz="2400" dirty="0" smtClean="0">
-                          <a:latin typeface="Times New Roman" panose="02020603050405020304" pitchFamily="18" charset="0"/>
-                          <a:ea typeface="標楷體" panose="03000509000000000000" pitchFamily="65" charset="-120"/>
-                          <a:cs typeface="Times New Roman" panose="02020603050405020304" pitchFamily="18" charset="0"/>
-                        </a:rPr>
-                        <a:t>鋸齒狀效果</a:t>
-                      </a:r>
-                      <a:endParaRPr lang="zh-TW" altLang="en-US" sz="2400" dirty="0">
                         <a:latin typeface="Times New Roman" panose="02020603050405020304" pitchFamily="18" charset="0"/>
                         <a:ea typeface="標楷體" panose="03000509000000000000" pitchFamily="65" charset="-120"/>
                         <a:cs typeface="Times New Roman" panose="02020603050405020304" pitchFamily="18" charset="0"/>
@@ -9254,13 +9444,46 @@
                     <a:bodyPr/>
                     <a:lstStyle/>
                     <a:p>
+                      <a:pPr marL="0" marR="0" indent="0" algn="l" defTabSz="914400" rtl="0" eaLnBrk="1" fontAlgn="auto" latinLnBrk="0" hangingPunct="1">
+                        <a:lnSpc>
+                          <a:spcPct val="100000"/>
+                        </a:lnSpc>
+                        <a:spcBef>
+                          <a:spcPts val="0"/>
+                        </a:spcBef>
+                        <a:spcAft>
+                          <a:spcPts val="0"/>
+                        </a:spcAft>
+                        <a:buClrTx/>
+                        <a:buSzTx/>
+                        <a:buFontTx/>
+                        <a:buNone/>
+                        <a:tabLst/>
+                        <a:defRPr/>
+                      </a:pPr>
                       <a:r>
                         <a:rPr lang="zh-TW" altLang="en-US" sz="2400" dirty="0" smtClean="0">
                           <a:latin typeface="Times New Roman" panose="02020603050405020304" pitchFamily="18" charset="0"/>
                           <a:ea typeface="標楷體" panose="03000509000000000000" pitchFamily="65" charset="-120"/>
                           <a:cs typeface="Times New Roman" panose="02020603050405020304" pitchFamily="18" charset="0"/>
                         </a:rPr>
-                        <a:t>影像品質中等</a:t>
+                        <a:t>相鄰</a:t>
+                      </a:r>
+                      <a:r>
+                        <a:rPr lang="en-US" altLang="zh-TW" sz="2400" dirty="0" smtClean="0">
+                          <a:latin typeface="Times New Roman" panose="02020603050405020304" pitchFamily="18" charset="0"/>
+                          <a:ea typeface="標楷體" panose="03000509000000000000" pitchFamily="65" charset="-120"/>
+                          <a:cs typeface="Times New Roman" panose="02020603050405020304" pitchFamily="18" charset="0"/>
+                        </a:rPr>
+                        <a:t>4</a:t>
+                      </a:r>
+                      <a:r>
+                        <a:rPr lang="zh-TW" altLang="en-US" sz="2400" dirty="0" smtClean="0">
+                          <a:latin typeface="Times New Roman" panose="02020603050405020304" pitchFamily="18" charset="0"/>
+                          <a:ea typeface="標楷體" panose="03000509000000000000" pitchFamily="65" charset="-120"/>
+                          <a:cs typeface="Times New Roman" panose="02020603050405020304" pitchFamily="18" charset="0"/>
+                        </a:rPr>
+                        <a:t>個像素</a:t>
                       </a:r>
                       <a:endParaRPr lang="en-US" altLang="zh-TW" sz="2400" dirty="0" smtClean="0">
                         <a:latin typeface="Times New Roman" panose="02020603050405020304" pitchFamily="18" charset="0"/>
@@ -9269,19 +9492,31 @@
                       </a:endParaRPr>
                     </a:p>
                     <a:p>
+                      <a:pPr marL="0" marR="0" indent="0" algn="l" defTabSz="914400" rtl="0" eaLnBrk="1" fontAlgn="auto" latinLnBrk="0" hangingPunct="1">
+                        <a:lnSpc>
+                          <a:spcPct val="100000"/>
+                        </a:lnSpc>
+                        <a:spcBef>
+                          <a:spcPts val="0"/>
+                        </a:spcBef>
+                        <a:spcAft>
+                          <a:spcPts val="0"/>
+                        </a:spcAft>
+                        <a:buClrTx/>
+                        <a:buSzTx/>
+                        <a:buFontTx/>
+                        <a:buNone/>
+                        <a:tabLst/>
+                        <a:defRPr/>
+                      </a:pPr>
                       <a:r>
                         <a:rPr lang="zh-TW" altLang="en-US" sz="2400" dirty="0" smtClean="0">
                           <a:latin typeface="Times New Roman" panose="02020603050405020304" pitchFamily="18" charset="0"/>
                           <a:ea typeface="標楷體" panose="03000509000000000000" pitchFamily="65" charset="-120"/>
                           <a:cs typeface="Times New Roman" panose="02020603050405020304" pitchFamily="18" charset="0"/>
                         </a:rPr>
-                        <a:t>速度中等</a:t>
+                        <a:t>先水平再垂直插值</a:t>
                       </a:r>
-                      <a:endParaRPr lang="zh-TW" altLang="en-US" sz="2400" dirty="0">
-                        <a:latin typeface="Times New Roman" panose="02020603050405020304" pitchFamily="18" charset="0"/>
-                        <a:ea typeface="標楷體" panose="03000509000000000000" pitchFamily="65" charset="-120"/>
-                        <a:cs typeface="Times New Roman" panose="02020603050405020304" pitchFamily="18" charset="0"/>
-                      </a:endParaRPr>
                     </a:p>
                   </a:txBody>
                   <a:tcPr/>
@@ -9386,13 +9621,46 @@
                     <a:bodyPr/>
                     <a:lstStyle/>
                     <a:p>
+                      <a:pPr marL="0" marR="0" indent="0" algn="l" defTabSz="914400" rtl="0" eaLnBrk="1" fontAlgn="auto" latinLnBrk="0" hangingPunct="1">
+                        <a:lnSpc>
+                          <a:spcPct val="100000"/>
+                        </a:lnSpc>
+                        <a:spcBef>
+                          <a:spcPts val="0"/>
+                        </a:spcBef>
+                        <a:spcAft>
+                          <a:spcPts val="0"/>
+                        </a:spcAft>
+                        <a:buClrTx/>
+                        <a:buSzTx/>
+                        <a:buFontTx/>
+                        <a:buNone/>
+                        <a:tabLst/>
+                        <a:defRPr/>
+                      </a:pPr>
                       <a:r>
                         <a:rPr lang="zh-TW" altLang="en-US" sz="2400" dirty="0" smtClean="0">
                           <a:latin typeface="Times New Roman" panose="02020603050405020304" pitchFamily="18" charset="0"/>
                           <a:ea typeface="標楷體" panose="03000509000000000000" pitchFamily="65" charset="-120"/>
                           <a:cs typeface="Times New Roman" panose="02020603050405020304" pitchFamily="18" charset="0"/>
                         </a:rPr>
-                        <a:t>影像品質高</a:t>
+                        <a:t>相鄰</a:t>
+                      </a:r>
+                      <a:r>
+                        <a:rPr lang="en-US" altLang="zh-TW" sz="2400" dirty="0" smtClean="0">
+                          <a:latin typeface="Times New Roman" panose="02020603050405020304" pitchFamily="18" charset="0"/>
+                          <a:ea typeface="標楷體" panose="03000509000000000000" pitchFamily="65" charset="-120"/>
+                          <a:cs typeface="Times New Roman" panose="02020603050405020304" pitchFamily="18" charset="0"/>
+                        </a:rPr>
+                        <a:t>4</a:t>
+                      </a:r>
+                      <a:r>
+                        <a:rPr lang="zh-TW" altLang="en-US" sz="2400" dirty="0" smtClean="0">
+                          <a:latin typeface="Times New Roman" panose="02020603050405020304" pitchFamily="18" charset="0"/>
+                          <a:ea typeface="標楷體" panose="03000509000000000000" pitchFamily="65" charset="-120"/>
+                          <a:cs typeface="Times New Roman" panose="02020603050405020304" pitchFamily="18" charset="0"/>
+                        </a:rPr>
+                        <a:t>個像素</a:t>
                       </a:r>
                       <a:endParaRPr lang="en-US" altLang="zh-TW" sz="2400" dirty="0" smtClean="0">
                         <a:latin typeface="Times New Roman" panose="02020603050405020304" pitchFamily="18" charset="0"/>
@@ -9401,19 +9669,31 @@
                       </a:endParaRPr>
                     </a:p>
                     <a:p>
+                      <a:pPr marL="0" marR="0" indent="0" algn="l" defTabSz="914400" rtl="0" eaLnBrk="1" fontAlgn="auto" latinLnBrk="0" hangingPunct="1">
+                        <a:lnSpc>
+                          <a:spcPct val="100000"/>
+                        </a:lnSpc>
+                        <a:spcBef>
+                          <a:spcPts val="0"/>
+                        </a:spcBef>
+                        <a:spcAft>
+                          <a:spcPts val="0"/>
+                        </a:spcAft>
+                        <a:buClrTx/>
+                        <a:buSzTx/>
+                        <a:buFontTx/>
+                        <a:buNone/>
+                        <a:tabLst/>
+                        <a:defRPr/>
+                      </a:pPr>
                       <a:r>
                         <a:rPr lang="zh-TW" altLang="en-US" sz="2400" dirty="0" smtClean="0">
                           <a:latin typeface="Times New Roman" panose="02020603050405020304" pitchFamily="18" charset="0"/>
                           <a:ea typeface="標楷體" panose="03000509000000000000" pitchFamily="65" charset="-120"/>
                           <a:cs typeface="Times New Roman" panose="02020603050405020304" pitchFamily="18" charset="0"/>
                         </a:rPr>
-                        <a:t>速度較慢</a:t>
+                        <a:t>計算加權平均</a:t>
                       </a:r>
-                      <a:endParaRPr lang="zh-TW" altLang="en-US" sz="2400" dirty="0">
-                        <a:latin typeface="Times New Roman" panose="02020603050405020304" pitchFamily="18" charset="0"/>
-                        <a:ea typeface="標楷體" panose="03000509000000000000" pitchFamily="65" charset="-120"/>
-                        <a:cs typeface="Times New Roman" panose="02020603050405020304" pitchFamily="18" charset="0"/>
-                      </a:endParaRPr>
                     </a:p>
                   </a:txBody>
                   <a:tcPr/>
@@ -9517,19 +9797,87 @@
                     <a:bodyPr/>
                     <a:lstStyle/>
                     <a:p>
+                      <a:pPr marL="0" marR="0" indent="0" algn="l" defTabSz="914400" rtl="0" eaLnBrk="1" fontAlgn="auto" latinLnBrk="0" hangingPunct="1">
+                        <a:lnSpc>
+                          <a:spcPct val="100000"/>
+                        </a:lnSpc>
+                        <a:spcBef>
+                          <a:spcPts val="0"/>
+                        </a:spcBef>
+                        <a:spcAft>
+                          <a:spcPts val="0"/>
+                        </a:spcAft>
+                        <a:buClrTx/>
+                        <a:buSzTx/>
+                        <a:buFontTx/>
+                        <a:buNone/>
+                        <a:tabLst/>
+                        <a:defRPr/>
+                      </a:pPr>
                       <a:r>
                         <a:rPr lang="zh-TW" altLang="en-US" sz="2400" dirty="0" smtClean="0">
                           <a:latin typeface="Times New Roman" panose="02020603050405020304" pitchFamily="18" charset="0"/>
                           <a:ea typeface="標楷體" panose="03000509000000000000" pitchFamily="65" charset="-120"/>
                           <a:cs typeface="Times New Roman" panose="02020603050405020304" pitchFamily="18" charset="0"/>
                         </a:rPr>
-                        <a:t>減少鋸齒狀效果</a:t>
+                        <a:t>相鄰</a:t>
                       </a:r>
-                      <a:endParaRPr lang="zh-TW" altLang="en-US" sz="2400" dirty="0">
+                      <a:r>
+                        <a:rPr lang="en-US" altLang="zh-TW" sz="2400" dirty="0" smtClean="0">
+                          <a:latin typeface="Times New Roman" panose="02020603050405020304" pitchFamily="18" charset="0"/>
+                          <a:ea typeface="標楷體" panose="03000509000000000000" pitchFamily="65" charset="-120"/>
+                          <a:cs typeface="Times New Roman" panose="02020603050405020304" pitchFamily="18" charset="0"/>
+                        </a:rPr>
+                        <a:t>8</a:t>
+                      </a:r>
+                      <a:r>
+                        <a:rPr lang="zh-TW" altLang="en-US" sz="2400" dirty="0" smtClean="0">
+                          <a:latin typeface="Times New Roman" panose="02020603050405020304" pitchFamily="18" charset="0"/>
+                          <a:ea typeface="標楷體" panose="03000509000000000000" pitchFamily="65" charset="-120"/>
+                          <a:cs typeface="Times New Roman" panose="02020603050405020304" pitchFamily="18" charset="0"/>
+                        </a:rPr>
+                        <a:t>個像素</a:t>
+                      </a:r>
+                      <a:endParaRPr lang="en-US" altLang="zh-TW" sz="2400" dirty="0" smtClean="0">
                         <a:latin typeface="Times New Roman" panose="02020603050405020304" pitchFamily="18" charset="0"/>
                         <a:ea typeface="標楷體" panose="03000509000000000000" pitchFamily="65" charset="-120"/>
                         <a:cs typeface="Times New Roman" panose="02020603050405020304" pitchFamily="18" charset="0"/>
                       </a:endParaRPr>
+                    </a:p>
+                    <a:p>
+                      <a:pPr marL="0" marR="0" indent="0" algn="l" defTabSz="914400" rtl="0" eaLnBrk="1" fontAlgn="auto" latinLnBrk="0" hangingPunct="1">
+                        <a:lnSpc>
+                          <a:spcPct val="100000"/>
+                        </a:lnSpc>
+                        <a:spcBef>
+                          <a:spcPts val="0"/>
+                        </a:spcBef>
+                        <a:spcAft>
+                          <a:spcPts val="0"/>
+                        </a:spcAft>
+                        <a:buClrTx/>
+                        <a:buSzTx/>
+                        <a:buFontTx/>
+                        <a:buNone/>
+                        <a:tabLst/>
+                        <a:defRPr/>
+                      </a:pPr>
+                      <a:r>
+                        <a:rPr lang="en-US" altLang="zh-TW" sz="2400" dirty="0" err="1" smtClean="0">
+                          <a:latin typeface="Times New Roman" panose="02020603050405020304" pitchFamily="18" charset="0"/>
+                          <a:ea typeface="標楷體" panose="03000509000000000000" pitchFamily="65" charset="-120"/>
+                          <a:cs typeface="Times New Roman" panose="02020603050405020304" pitchFamily="18" charset="0"/>
+                        </a:rPr>
+                        <a:t>Lanczos</a:t>
+                      </a:r>
+                      <a:r>
+                        <a:rPr lang="zh-TW" altLang="en-US" sz="2400" dirty="0" smtClean="0">
+                          <a:latin typeface="Times New Roman" panose="02020603050405020304" pitchFamily="18" charset="0"/>
+                          <a:ea typeface="標楷體" panose="03000509000000000000" pitchFamily="65" charset="-120"/>
+                          <a:cs typeface="Times New Roman" panose="02020603050405020304" pitchFamily="18" charset="0"/>
+                        </a:rPr>
+                        <a:t>函數</a:t>
+                      </a:r>
                     </a:p>
                   </a:txBody>
                   <a:tcPr/>
@@ -9545,7 +9893,7 @@
                           <a:ea typeface="標楷體" panose="03000509000000000000" pitchFamily="65" charset="-120"/>
                           <a:cs typeface="Times New Roman" panose="02020603050405020304" pitchFamily="18" charset="0"/>
                         </a:rPr>
-                        <a:t>縮小</a:t>
+                        <a:t>放大、縮小</a:t>
                       </a:r>
                       <a:endParaRPr lang="zh-TW" altLang="en-US" sz="2400" dirty="0">
                         <a:latin typeface="Times New Roman" panose="02020603050405020304" pitchFamily="18" charset="0"/>
@@ -9561,16 +9909,94 @@
           </a:graphicData>
         </a:graphic>
       </p:graphicFrame>
+      <p:pic>
+        <p:nvPicPr>
+          <p:cNvPr id="2050" name="Picture 2" descr="https://img-blog.csdn.net/20150420154512956?watermark/2/text/aHR0cDovL2Jsb2cuY3Nkbi5uZXQvVHJlbnQxOTg1/font/5a6L5L2T/fontsize/400/fill/I0JBQkFCMA==/dissolve/70/gravity/Center"/>
+          <p:cNvPicPr>
+            <a:picLocks noChangeAspect="1" noChangeArrowheads="1"/>
+          </p:cNvPicPr>
+          <p:nvPr/>
+        </p:nvPicPr>
+        <p:blipFill rotWithShape="1">
+          <a:blip r:embed="rId2">
+            <a:extLst>
+              <a:ext uri="{28A0092B-C50C-407E-A947-70E740481C1C}">
+                <a14:useLocalDpi xmlns:a14="http://schemas.microsoft.com/office/drawing/2010/main" val="0"/>
+              </a:ext>
+            </a:extLst>
+          </a:blip>
+          <a:srcRect t="6821" b="50000"/>
+          <a:stretch/>
+        </p:blipFill>
+        <p:spPr bwMode="auto">
+          <a:xfrm>
+            <a:off x="1187624" y="4606083"/>
+            <a:ext cx="3456384" cy="2238633"/>
+          </a:xfrm>
+          <a:prstGeom prst="rect">
+            <a:avLst/>
+          </a:prstGeom>
+          <a:noFill/>
+          <a:extLst>
+            <a:ext uri="{909E8E84-426E-40DD-AFC4-6F175D3DCCD1}">
+              <a14:hiddenFill xmlns:a14="http://schemas.microsoft.com/office/drawing/2010/main">
+                <a:solidFill>
+                  <a:srgbClr val="FFFFFF"/>
+                </a:solidFill>
+              </a14:hiddenFill>
+            </a:ext>
+          </a:extLst>
+        </p:spPr>
+      </p:pic>
+      <p:pic>
+        <p:nvPicPr>
+          <p:cNvPr id="6" name="Picture 2" descr="https://img-blog.csdn.net/20150420154512956?watermark/2/text/aHR0cDovL2Jsb2cuY3Nkbi5uZXQvVHJlbnQxOTg1/font/5a6L5L2T/fontsize/400/fill/I0JBQkFCMA==/dissolve/70/gravity/Center"/>
+          <p:cNvPicPr>
+            <a:picLocks noChangeAspect="1" noChangeArrowheads="1"/>
+          </p:cNvPicPr>
+          <p:nvPr/>
+        </p:nvPicPr>
+        <p:blipFill rotWithShape="1">
+          <a:blip r:embed="rId2">
+            <a:extLst>
+              <a:ext uri="{28A0092B-C50C-407E-A947-70E740481C1C}">
+                <a14:useLocalDpi xmlns:a14="http://schemas.microsoft.com/office/drawing/2010/main" val="0"/>
+              </a:ext>
+            </a:extLst>
+          </a:blip>
+          <a:srcRect t="57326"/>
+          <a:stretch/>
+        </p:blipFill>
+        <p:spPr bwMode="auto">
+          <a:xfrm>
+            <a:off x="5580496" y="4612687"/>
+            <a:ext cx="3456000" cy="2225427"/>
+          </a:xfrm>
+          <a:prstGeom prst="rect">
+            <a:avLst/>
+          </a:prstGeom>
+          <a:noFill/>
+          <a:extLst>
+            <a:ext uri="{909E8E84-426E-40DD-AFC4-6F175D3DCCD1}">
+              <a14:hiddenFill xmlns:a14="http://schemas.microsoft.com/office/drawing/2010/main">
+                <a:solidFill>
+                  <a:srgbClr val="FFFFFF"/>
+                </a:solidFill>
+              </a14:hiddenFill>
+            </a:ext>
+          </a:extLst>
+        </p:spPr>
+      </p:pic>
       <p:sp>
         <p:nvSpPr>
-          <p:cNvPr id="5" name="文字方塊 4"/>
+          <p:cNvPr id="7" name="文字方塊 6"/>
           <p:cNvSpPr txBox="1"/>
           <p:nvPr/>
         </p:nvSpPr>
         <p:spPr>
           <a:xfrm>
-            <a:off x="461362" y="5301207"/>
-            <a:ext cx="8208912" cy="1200329"/>
+            <a:off x="179512" y="4725144"/>
+            <a:ext cx="1296144" cy="830997"/>
           </a:xfrm>
           <a:prstGeom prst="rect">
             <a:avLst/>
@@ -9583,173 +10009,83 @@
           </a:bodyPr>
           <a:lstStyle/>
           <a:p>
-            <a:pPr marL="342900" indent="-342900">
-              <a:buFont typeface="Wingdings" panose="05000000000000000000" pitchFamily="2" charset="2"/>
-              <a:buChar char="Ø"/>
+            <a:pPr marL="285750" indent="-285750">
+              <a:buFont typeface="Arial" panose="020B0604020202020204" pitchFamily="34" charset="0"/>
+              <a:buChar char="•"/>
             </a:pPr>
             <a:r>
-              <a:rPr lang="zh-TW" altLang="en-US" sz="2400" dirty="0" smtClean="0">
+              <a:rPr lang="en-US" altLang="zh-TW" sz="2400" dirty="0" smtClean="0">
+                <a:latin typeface="Times New Roman" panose="02020603050405020304" pitchFamily="18" charset="0"/>
+                <a:ea typeface="標楷體" panose="03000509000000000000" pitchFamily="65" charset="-120"/>
+                <a:cs typeface="Times New Roman" panose="02020603050405020304" pitchFamily="18" charset="0"/>
+              </a:rPr>
+              <a:t>a = 2</a:t>
+            </a:r>
+          </a:p>
+          <a:p>
+            <a:pPr marL="285750" indent="-285750">
+              <a:buFont typeface="Arial" panose="020B0604020202020204" pitchFamily="34" charset="0"/>
+              <a:buChar char="•"/>
+            </a:pPr>
+            <a:r>
+              <a:rPr lang="zh-TW" altLang="en-US" sz="2400" dirty="0">
+                <a:latin typeface="Times New Roman" panose="02020603050405020304" pitchFamily="18" charset="0"/>
+                <a:ea typeface="標楷體" panose="03000509000000000000" pitchFamily="65" charset="-120"/>
+                <a:cs typeface="Times New Roman" panose="02020603050405020304" pitchFamily="18" charset="0"/>
+              </a:rPr>
+              <a:t>縮小</a:t>
+            </a:r>
+          </a:p>
+        </p:txBody>
+      </p:sp>
+      <p:sp>
+        <p:nvSpPr>
+          <p:cNvPr id="8" name="文字方塊 7"/>
+          <p:cNvSpPr txBox="1"/>
+          <p:nvPr/>
+        </p:nvSpPr>
+        <p:spPr>
+          <a:xfrm>
+            <a:off x="4644008" y="4725144"/>
+            <a:ext cx="1296144" cy="830997"/>
+          </a:xfrm>
+          <a:prstGeom prst="rect">
+            <a:avLst/>
+          </a:prstGeom>
+          <a:noFill/>
+        </p:spPr>
+        <p:txBody>
+          <a:bodyPr wrap="square" rtlCol="0">
+            <a:spAutoFit/>
+          </a:bodyPr>
+          <a:lstStyle/>
+          <a:p>
+            <a:pPr marL="285750" indent="-285750">
+              <a:buFont typeface="Arial" panose="020B0604020202020204" pitchFamily="34" charset="0"/>
+              <a:buChar char="•"/>
+            </a:pPr>
+            <a:r>
+              <a:rPr lang="en-US" altLang="zh-TW" sz="2400" dirty="0" smtClean="0">
+                <a:latin typeface="Times New Roman" panose="02020603050405020304" pitchFamily="18" charset="0"/>
+                <a:ea typeface="標楷體" panose="03000509000000000000" pitchFamily="65" charset="-120"/>
+                <a:cs typeface="Times New Roman" panose="02020603050405020304" pitchFamily="18" charset="0"/>
+              </a:rPr>
+              <a:t>a = 3</a:t>
+            </a:r>
+          </a:p>
+          <a:p>
+            <a:pPr marL="285750" indent="-285750">
+              <a:buFont typeface="Arial" panose="020B0604020202020204" pitchFamily="34" charset="0"/>
+              <a:buChar char="•"/>
+            </a:pPr>
+            <a:r>
+              <a:rPr lang="zh-TW" altLang="en-US" sz="2400" dirty="0">
                 <a:latin typeface="Times New Roman" panose="02020603050405020304" pitchFamily="18" charset="0"/>
                 <a:ea typeface="標楷體" panose="03000509000000000000" pitchFamily="65" charset="-120"/>
                 <a:cs typeface="Times New Roman" panose="02020603050405020304" pitchFamily="18" charset="0"/>
               </a:rPr>
               <a:t>放大</a:t>
             </a:r>
-            <a:r>
-              <a:rPr lang="en-US" altLang="zh-TW" sz="2400" dirty="0" smtClean="0">
-                <a:latin typeface="Times New Roman" panose="02020603050405020304" pitchFamily="18" charset="0"/>
-                <a:ea typeface="標楷體" panose="03000509000000000000" pitchFamily="65" charset="-120"/>
-                <a:cs typeface="Times New Roman" panose="02020603050405020304" pitchFamily="18" charset="0"/>
-              </a:rPr>
-              <a:t>:</a:t>
-            </a:r>
-            <a:r>
-              <a:rPr lang="zh-TW" altLang="en-US" sz="2400" dirty="0" smtClean="0">
-                <a:latin typeface="Times New Roman" panose="02020603050405020304" pitchFamily="18" charset="0"/>
-                <a:ea typeface="標楷體" panose="03000509000000000000" pitchFamily="65" charset="-120"/>
-                <a:cs typeface="Times New Roman" panose="02020603050405020304" pitchFamily="18" charset="0"/>
-              </a:rPr>
-              <a:t> 比較</a:t>
-            </a:r>
-            <a:r>
-              <a:rPr lang="en-US" altLang="zh-TW" sz="2400" dirty="0" smtClean="0">
-                <a:latin typeface="Times New Roman" panose="02020603050405020304" pitchFamily="18" charset="0"/>
-                <a:ea typeface="標楷體" panose="03000509000000000000" pitchFamily="65" charset="-120"/>
-                <a:cs typeface="Times New Roman" panose="02020603050405020304" pitchFamily="18" charset="0"/>
-              </a:rPr>
-              <a:t>NN</a:t>
-            </a:r>
-            <a:r>
-              <a:rPr lang="zh-TW" altLang="en-US" sz="2400" dirty="0" smtClean="0">
-                <a:latin typeface="Times New Roman" panose="02020603050405020304" pitchFamily="18" charset="0"/>
-                <a:ea typeface="標楷體" panose="03000509000000000000" pitchFamily="65" charset="-120"/>
-                <a:cs typeface="Times New Roman" panose="02020603050405020304" pitchFamily="18" charset="0"/>
-              </a:rPr>
-              <a:t>、</a:t>
-            </a:r>
-            <a:r>
-              <a:rPr lang="en-US" altLang="zh-TW" sz="2400" dirty="0" smtClean="0">
-                <a:latin typeface="Times New Roman" panose="02020603050405020304" pitchFamily="18" charset="0"/>
-                <a:ea typeface="標楷體" panose="03000509000000000000" pitchFamily="65" charset="-120"/>
-                <a:cs typeface="Times New Roman" panose="02020603050405020304" pitchFamily="18" charset="0"/>
-              </a:rPr>
-              <a:t>Linear</a:t>
-            </a:r>
-            <a:r>
-              <a:rPr lang="zh-TW" altLang="en-US" sz="2400" dirty="0" smtClean="0">
-                <a:latin typeface="Times New Roman" panose="02020603050405020304" pitchFamily="18" charset="0"/>
-                <a:ea typeface="標楷體" panose="03000509000000000000" pitchFamily="65" charset="-120"/>
-                <a:cs typeface="Times New Roman" panose="02020603050405020304" pitchFamily="18" charset="0"/>
-              </a:rPr>
-              <a:t>、</a:t>
-            </a:r>
-            <a:r>
-              <a:rPr lang="en-US" altLang="zh-TW" sz="2400" dirty="0" smtClean="0">
-                <a:latin typeface="Times New Roman" panose="02020603050405020304" pitchFamily="18" charset="0"/>
-                <a:ea typeface="標楷體" panose="03000509000000000000" pitchFamily="65" charset="-120"/>
-                <a:cs typeface="Times New Roman" panose="02020603050405020304" pitchFamily="18" charset="0"/>
-              </a:rPr>
-              <a:t>Cubic</a:t>
-            </a:r>
-            <a:r>
-              <a:rPr lang="zh-TW" altLang="en-US" sz="2400" dirty="0" smtClean="0">
-                <a:latin typeface="Times New Roman" panose="02020603050405020304" pitchFamily="18" charset="0"/>
-                <a:ea typeface="標楷體" panose="03000509000000000000" pitchFamily="65" charset="-120"/>
-                <a:cs typeface="Times New Roman" panose="02020603050405020304" pitchFamily="18" charset="0"/>
-              </a:rPr>
-              <a:t>速度和效果</a:t>
-            </a:r>
-            <a:endParaRPr lang="en-US" altLang="zh-TW" sz="2400" dirty="0" smtClean="0">
-              <a:latin typeface="Times New Roman" panose="02020603050405020304" pitchFamily="18" charset="0"/>
-              <a:ea typeface="標楷體" panose="03000509000000000000" pitchFamily="65" charset="-120"/>
-              <a:cs typeface="Times New Roman" panose="02020603050405020304" pitchFamily="18" charset="0"/>
-            </a:endParaRPr>
-          </a:p>
-          <a:p>
-            <a:pPr marL="342900" indent="-342900">
-              <a:buFont typeface="Wingdings" panose="05000000000000000000" pitchFamily="2" charset="2"/>
-              <a:buChar char="Ø"/>
-            </a:pPr>
-            <a:endParaRPr lang="en-US" altLang="zh-TW" sz="2400" dirty="0" smtClean="0">
-              <a:latin typeface="Times New Roman" panose="02020603050405020304" pitchFamily="18" charset="0"/>
-              <a:ea typeface="標楷體" panose="03000509000000000000" pitchFamily="65" charset="-120"/>
-              <a:cs typeface="Times New Roman" panose="02020603050405020304" pitchFamily="18" charset="0"/>
-            </a:endParaRPr>
-          </a:p>
-          <a:p>
-            <a:pPr marL="342900" indent="-342900">
-              <a:buFont typeface="Wingdings" panose="05000000000000000000" pitchFamily="2" charset="2"/>
-              <a:buChar char="Ø"/>
-            </a:pPr>
-            <a:r>
-              <a:rPr lang="zh-TW" altLang="en-US" sz="2400" dirty="0" smtClean="0">
-                <a:latin typeface="Times New Roman" panose="02020603050405020304" pitchFamily="18" charset="0"/>
-                <a:ea typeface="標楷體" panose="03000509000000000000" pitchFamily="65" charset="-120"/>
-                <a:cs typeface="Times New Roman" panose="02020603050405020304" pitchFamily="18" charset="0"/>
-              </a:rPr>
-              <a:t>縮小</a:t>
-            </a:r>
-            <a:r>
-              <a:rPr lang="en-US" altLang="zh-TW" sz="2400" dirty="0" smtClean="0">
-                <a:latin typeface="Times New Roman" panose="02020603050405020304" pitchFamily="18" charset="0"/>
-                <a:ea typeface="標楷體" panose="03000509000000000000" pitchFamily="65" charset="-120"/>
-                <a:cs typeface="Times New Roman" panose="02020603050405020304" pitchFamily="18" charset="0"/>
-              </a:rPr>
-              <a:t>:</a:t>
-            </a:r>
-            <a:r>
-              <a:rPr lang="zh-TW" altLang="en-US" sz="2400" dirty="0" smtClean="0">
-                <a:latin typeface="Times New Roman" panose="02020603050405020304" pitchFamily="18" charset="0"/>
-                <a:ea typeface="標楷體" panose="03000509000000000000" pitchFamily="65" charset="-120"/>
-                <a:cs typeface="Times New Roman" panose="02020603050405020304" pitchFamily="18" charset="0"/>
-              </a:rPr>
-              <a:t> 蘭</a:t>
-            </a:r>
-            <a:r>
-              <a:rPr lang="zh-TW" altLang="en-US" sz="2400" dirty="0">
-                <a:latin typeface="Times New Roman" panose="02020603050405020304" pitchFamily="18" charset="0"/>
-                <a:ea typeface="標楷體" panose="03000509000000000000" pitchFamily="65" charset="-120"/>
-                <a:cs typeface="Times New Roman" panose="02020603050405020304" pitchFamily="18" charset="0"/>
-              </a:rPr>
-              <a:t>佐斯插</a:t>
-            </a:r>
-            <a:r>
-              <a:rPr lang="zh-TW" altLang="en-US" sz="2400" dirty="0" smtClean="0">
-                <a:latin typeface="Times New Roman" panose="02020603050405020304" pitchFamily="18" charset="0"/>
-                <a:ea typeface="標楷體" panose="03000509000000000000" pitchFamily="65" charset="-120"/>
-                <a:cs typeface="Times New Roman" panose="02020603050405020304" pitchFamily="18" charset="0"/>
-              </a:rPr>
-              <a:t>值</a:t>
-            </a:r>
-            <a:r>
-              <a:rPr lang="en-US" altLang="zh-TW" sz="2400" dirty="0">
-                <a:latin typeface="Times New Roman" panose="02020603050405020304" pitchFamily="18" charset="0"/>
-                <a:ea typeface="標楷體" panose="03000509000000000000" pitchFamily="65" charset="-120"/>
-                <a:cs typeface="Times New Roman" panose="02020603050405020304" pitchFamily="18" charset="0"/>
-              </a:rPr>
-              <a:t>(</a:t>
-            </a:r>
-            <a:r>
-              <a:rPr lang="en-US" altLang="zh-TW" sz="2400" dirty="0" err="1">
-                <a:latin typeface="Times New Roman" panose="02020603050405020304" pitchFamily="18" charset="0"/>
-                <a:ea typeface="標楷體" panose="03000509000000000000" pitchFamily="65" charset="-120"/>
-                <a:cs typeface="Times New Roman" panose="02020603050405020304" pitchFamily="18" charset="0"/>
-              </a:rPr>
-              <a:t>Lanczos</a:t>
-            </a:r>
-            <a:r>
-              <a:rPr lang="en-US" altLang="zh-TW" sz="2400" dirty="0">
-                <a:latin typeface="Times New Roman" panose="02020603050405020304" pitchFamily="18" charset="0"/>
-                <a:ea typeface="標楷體" panose="03000509000000000000" pitchFamily="65" charset="-120"/>
-                <a:cs typeface="Times New Roman" panose="02020603050405020304" pitchFamily="18" charset="0"/>
-              </a:rPr>
-              <a:t>)</a:t>
-            </a:r>
-            <a:endParaRPr lang="zh-TW" altLang="en-US" sz="2400" dirty="0">
-              <a:latin typeface="Times New Roman" panose="02020603050405020304" pitchFamily="18" charset="0"/>
-              <a:ea typeface="標楷體" panose="03000509000000000000" pitchFamily="65" charset="-120"/>
-              <a:cs typeface="Times New Roman" panose="02020603050405020304" pitchFamily="18" charset="0"/>
-            </a:endParaRPr>
           </a:p>
         </p:txBody>
       </p:sp>
@@ -9932,7 +10268,7 @@
                           <a:ea typeface="標楷體" panose="03000509000000000000" pitchFamily="65" charset="-120"/>
                           <a:cs typeface="Times New Roman" panose="02020603050405020304" pitchFamily="18" charset="0"/>
                         </a:rPr>
-                        <a:t>SSIM</a:t>
+                        <a:t>PSNR</a:t>
                       </a:r>
                       <a:endParaRPr lang="zh-TW" altLang="en-US" sz="1800" dirty="0">
                         <a:latin typeface="Times New Roman" panose="02020603050405020304" pitchFamily="18" charset="0"/>
@@ -9948,23 +10284,20 @@
                     <a:bodyPr/>
                     <a:lstStyle/>
                     <a:p>
-                      <a:pPr algn="ctr"/>
+                      <a:pPr algn="ctr" rtl="0" fontAlgn="ctr"/>
                       <a:r>
-                        <a:rPr lang="en-US" altLang="zh-TW" sz="1800" dirty="0" smtClean="0">
-                          <a:latin typeface="Times New Roman" panose="02020603050405020304" pitchFamily="18" charset="0"/>
-                          <a:ea typeface="標楷體" panose="03000509000000000000" pitchFamily="65" charset="-120"/>
-                          <a:cs typeface="Times New Roman" panose="02020603050405020304" pitchFamily="18" charset="0"/>
+                        <a:rPr lang="en-US" sz="1800" b="1" i="0" u="none" strike="noStrike">
+                          <a:solidFill>
+                            <a:srgbClr val="000000"/>
+                          </a:solidFill>
+                          <a:effectLst/>
+                          <a:latin typeface="Times New Roman"/>
                         </a:rPr>
-                        <a:t>PSNR</a:t>
+                        <a:t>SSIM</a:t>
                       </a:r>
-                      <a:endParaRPr lang="zh-TW" altLang="en-US" sz="1800" dirty="0">
-                        <a:latin typeface="Times New Roman" panose="02020603050405020304" pitchFamily="18" charset="0"/>
-                        <a:ea typeface="標楷體" panose="03000509000000000000" pitchFamily="65" charset="-120"/>
-                        <a:cs typeface="Times New Roman" panose="02020603050405020304" pitchFamily="18" charset="0"/>
-                      </a:endParaRPr>
                     </a:p>
                   </a:txBody>
-                  <a:tcPr/>
+                  <a:tcPr marL="9525" marR="9525" marT="9525" marB="0" anchor="ctr"/>
                 </a:tc>
               </a:tr>
               <a:tr h="187221">
@@ -10042,7 +10375,7 @@
                           <a:ea typeface="標楷體" panose="03000509000000000000" pitchFamily="65" charset="-120"/>
                           <a:cs typeface="Times New Roman" panose="02020603050405020304" pitchFamily="18" charset="0"/>
                         </a:rPr>
-                        <a:t>0.986</a:t>
+                        <a:t>50.32</a:t>
                       </a:r>
                       <a:endParaRPr lang="zh-TW" altLang="en-US" sz="1800" dirty="0" smtClean="0">
                         <a:latin typeface="Times New Roman" panose="02020603050405020304" pitchFamily="18" charset="0"/>
@@ -10058,39 +10391,20 @@
                     <a:bodyPr/>
                     <a:lstStyle/>
                     <a:p>
-                      <a:pPr marL="0" marR="0" indent="0" algn="ctr" defTabSz="914400" rtl="0" eaLnBrk="1" fontAlgn="auto" latinLnBrk="0" hangingPunct="1">
-                        <a:lnSpc>
-                          <a:spcPct val="100000"/>
-                        </a:lnSpc>
-                        <a:spcBef>
-                          <a:spcPts val="0"/>
-                        </a:spcBef>
-                        <a:spcAft>
-                          <a:spcPts val="0"/>
-                        </a:spcAft>
-                        <a:buClrTx/>
-                        <a:buSzTx/>
-                        <a:buFontTx/>
-                        <a:buNone/>
-                        <a:tabLst/>
-                        <a:defRPr/>
-                      </a:pPr>
+                      <a:pPr algn="ctr" rtl="0" fontAlgn="ctr"/>
                       <a:r>
-                        <a:rPr lang="en-US" altLang="zh-TW" sz="1800" dirty="0" smtClean="0">
-                          <a:latin typeface="Times New Roman" panose="02020603050405020304" pitchFamily="18" charset="0"/>
-                          <a:ea typeface="標楷體" panose="03000509000000000000" pitchFamily="65" charset="-120"/>
-                          <a:cs typeface="Times New Roman" panose="02020603050405020304" pitchFamily="18" charset="0"/>
+                        <a:rPr lang="en-US" altLang="zh-TW" sz="1800" b="0" i="0" u="none" strike="noStrike">
+                          <a:solidFill>
+                            <a:srgbClr val="000000"/>
+                          </a:solidFill>
+                          <a:effectLst/>
+                          <a:latin typeface="Times New Roman"/>
                         </a:rPr>
-                        <a:t>50.32</a:t>
+                        <a:t>0.986</a:t>
                       </a:r>
-                      <a:endParaRPr lang="zh-TW" altLang="en-US" sz="1800" dirty="0" smtClean="0">
-                        <a:latin typeface="Times New Roman" panose="02020603050405020304" pitchFamily="18" charset="0"/>
-                        <a:ea typeface="標楷體" panose="03000509000000000000" pitchFamily="65" charset="-120"/>
-                        <a:cs typeface="Times New Roman" panose="02020603050405020304" pitchFamily="18" charset="0"/>
-                      </a:endParaRPr>
                     </a:p>
                   </a:txBody>
-                  <a:tcPr/>
+                  <a:tcPr marL="9525" marR="9525" marT="9525" marB="0" anchor="ctr"/>
                 </a:tc>
               </a:tr>
               <a:tr h="187221">
@@ -10168,7 +10482,7 @@
                           <a:ea typeface="標楷體" panose="03000509000000000000" pitchFamily="65" charset="-120"/>
                           <a:cs typeface="Times New Roman" panose="02020603050405020304" pitchFamily="18" charset="0"/>
                         </a:rPr>
-                        <a:t>0.997</a:t>
+                        <a:t>58.31</a:t>
                       </a:r>
                       <a:endParaRPr lang="zh-TW" altLang="en-US" sz="1800" dirty="0" smtClean="0">
                         <a:latin typeface="Times New Roman" panose="02020603050405020304" pitchFamily="18" charset="0"/>
@@ -10184,39 +10498,20 @@
                     <a:bodyPr/>
                     <a:lstStyle/>
                     <a:p>
-                      <a:pPr marL="0" marR="0" indent="0" algn="ctr" defTabSz="914400" rtl="0" eaLnBrk="1" fontAlgn="auto" latinLnBrk="0" hangingPunct="1">
-                        <a:lnSpc>
-                          <a:spcPct val="100000"/>
-                        </a:lnSpc>
-                        <a:spcBef>
-                          <a:spcPts val="0"/>
-                        </a:spcBef>
-                        <a:spcAft>
-                          <a:spcPts val="0"/>
-                        </a:spcAft>
-                        <a:buClrTx/>
-                        <a:buSzTx/>
-                        <a:buFontTx/>
-                        <a:buNone/>
-                        <a:tabLst/>
-                        <a:defRPr/>
-                      </a:pPr>
+                      <a:pPr algn="ctr" rtl="0" fontAlgn="ctr"/>
                       <a:r>
-                        <a:rPr lang="en-US" altLang="zh-TW" sz="1800" dirty="0" smtClean="0">
-                          <a:latin typeface="Times New Roman" panose="02020603050405020304" pitchFamily="18" charset="0"/>
-                          <a:ea typeface="標楷體" panose="03000509000000000000" pitchFamily="65" charset="-120"/>
-                          <a:cs typeface="Times New Roman" panose="02020603050405020304" pitchFamily="18" charset="0"/>
+                        <a:rPr lang="en-US" altLang="zh-TW" sz="1800" b="0" i="0" u="none" strike="noStrike">
+                          <a:solidFill>
+                            <a:srgbClr val="000000"/>
+                          </a:solidFill>
+                          <a:effectLst/>
+                          <a:latin typeface="Times New Roman"/>
                         </a:rPr>
-                        <a:t>58.31</a:t>
+                        <a:t>0.997</a:t>
                       </a:r>
-                      <a:endParaRPr lang="zh-TW" altLang="en-US" sz="1800" dirty="0" smtClean="0">
-                        <a:latin typeface="Times New Roman" panose="02020603050405020304" pitchFamily="18" charset="0"/>
-                        <a:ea typeface="標楷體" panose="03000509000000000000" pitchFamily="65" charset="-120"/>
-                        <a:cs typeface="Times New Roman" panose="02020603050405020304" pitchFamily="18" charset="0"/>
-                      </a:endParaRPr>
                     </a:p>
                   </a:txBody>
-                  <a:tcPr/>
+                  <a:tcPr marL="9525" marR="9525" marT="9525" marB="0" anchor="ctr"/>
                 </a:tc>
               </a:tr>
               <a:tr h="187221">
@@ -10278,7 +10573,7 @@
                           <a:ea typeface="標楷體" panose="03000509000000000000" pitchFamily="65" charset="-120"/>
                           <a:cs typeface="Times New Roman" panose="02020603050405020304" pitchFamily="18" charset="0"/>
                         </a:rPr>
-                        <a:t>0.999</a:t>
+                        <a:t>64.78</a:t>
                       </a:r>
                       <a:endParaRPr lang="zh-TW" altLang="en-US" sz="1800" dirty="0">
                         <a:latin typeface="Times New Roman" panose="02020603050405020304" pitchFamily="18" charset="0"/>
@@ -10294,23 +10589,20 @@
                     <a:bodyPr/>
                     <a:lstStyle/>
                     <a:p>
-                      <a:pPr algn="ctr"/>
+                      <a:pPr algn="ctr" rtl="0" fontAlgn="ctr"/>
                       <a:r>
-                        <a:rPr lang="en-US" altLang="zh-TW" sz="1800" dirty="0" smtClean="0">
-                          <a:latin typeface="Times New Roman" panose="02020603050405020304" pitchFamily="18" charset="0"/>
-                          <a:ea typeface="標楷體" panose="03000509000000000000" pitchFamily="65" charset="-120"/>
-                          <a:cs typeface="Times New Roman" panose="02020603050405020304" pitchFamily="18" charset="0"/>
+                        <a:rPr lang="en-US" altLang="zh-TW" sz="1800" b="0" i="0" u="none" strike="noStrike">
+                          <a:solidFill>
+                            <a:srgbClr val="000000"/>
+                          </a:solidFill>
+                          <a:effectLst/>
+                          <a:latin typeface="Times New Roman"/>
                         </a:rPr>
-                        <a:t>64.78</a:t>
+                        <a:t>0.999</a:t>
                       </a:r>
-                      <a:endParaRPr lang="zh-TW" altLang="en-US" sz="1800" dirty="0">
-                        <a:latin typeface="Times New Roman" panose="02020603050405020304" pitchFamily="18" charset="0"/>
-                        <a:ea typeface="標楷體" panose="03000509000000000000" pitchFamily="65" charset="-120"/>
-                        <a:cs typeface="Times New Roman" panose="02020603050405020304" pitchFamily="18" charset="0"/>
-                      </a:endParaRPr>
                     </a:p>
                   </a:txBody>
-                  <a:tcPr/>
+                  <a:tcPr marL="9525" marR="9525" marT="9525" marB="0" anchor="ctr"/>
                 </a:tc>
               </a:tr>
               <a:tr h="187221">
@@ -10372,7 +10664,7 @@
                           <a:ea typeface="標楷體" panose="03000509000000000000" pitchFamily="65" charset="-120"/>
                           <a:cs typeface="Times New Roman" panose="02020603050405020304" pitchFamily="18" charset="0"/>
                         </a:rPr>
-                        <a:t>1</a:t>
+                        <a:t>361.2</a:t>
                       </a:r>
                       <a:endParaRPr lang="zh-TW" altLang="en-US" sz="1800" dirty="0">
                         <a:latin typeface="Times New Roman" panose="02020603050405020304" pitchFamily="18" charset="0"/>
@@ -10388,23 +10680,20 @@
                     <a:bodyPr/>
                     <a:lstStyle/>
                     <a:p>
-                      <a:pPr algn="ctr"/>
+                      <a:pPr algn="ctr" rtl="0" fontAlgn="ctr"/>
                       <a:r>
-                        <a:rPr lang="en-US" altLang="zh-TW" sz="1800" dirty="0" smtClean="0">
-                          <a:latin typeface="Times New Roman" panose="02020603050405020304" pitchFamily="18" charset="0"/>
-                          <a:ea typeface="標楷體" panose="03000509000000000000" pitchFamily="65" charset="-120"/>
-                          <a:cs typeface="Times New Roman" panose="02020603050405020304" pitchFamily="18" charset="0"/>
+                        <a:rPr lang="en-US" altLang="zh-TW" sz="1800" b="0" i="0" u="none" strike="noStrike" dirty="0">
+                          <a:solidFill>
+                            <a:srgbClr val="000000"/>
+                          </a:solidFill>
+                          <a:effectLst/>
+                          <a:latin typeface="Times New Roman"/>
                         </a:rPr>
-                        <a:t>361.2</a:t>
+                        <a:t>1</a:t>
                       </a:r>
-                      <a:endParaRPr lang="zh-TW" altLang="en-US" sz="1800" dirty="0">
-                        <a:latin typeface="Times New Roman" panose="02020603050405020304" pitchFamily="18" charset="0"/>
-                        <a:ea typeface="標楷體" panose="03000509000000000000" pitchFamily="65" charset="-120"/>
-                        <a:cs typeface="Times New Roman" panose="02020603050405020304" pitchFamily="18" charset="0"/>
-                      </a:endParaRPr>
                     </a:p>
                   </a:txBody>
-                  <a:tcPr/>
+                  <a:tcPr marL="9525" marR="9525" marT="9525" marB="0" anchor="ctr"/>
                 </a:tc>
               </a:tr>
             </a:tbl>
@@ -10580,8 +10869,8 @@
           </a:p>
         </p:txBody>
       </p:sp>
-      <mc:AlternateContent xmlns:mc="http://schemas.openxmlformats.org/markup-compatibility/2006">
-        <mc:Choice xmlns:a14="http://schemas.microsoft.com/office/drawing/2010/main" Requires="a14">
+      <mc:AlternateContent xmlns:mc="http://schemas.openxmlformats.org/markup-compatibility/2006" xmlns:a14="http://schemas.microsoft.com/office/drawing/2010/main">
+        <mc:Choice Requires="a14">
           <p:graphicFrame>
             <p:nvGraphicFramePr>
               <p:cNvPr id="3" name="表格 2"/>
@@ -11016,7 +11305,7 @@
             </a:graphic>
           </p:graphicFrame>
         </mc:Choice>
-        <mc:Fallback>
+        <mc:Fallback xmlns="">
           <p:graphicFrame>
             <p:nvGraphicFramePr>
               <p:cNvPr id="3" name="表格 2"/>
@@ -11470,7 +11759,7 @@
               <p:nvPr>
                 <p:extLst>
                   <p:ext uri="{D42A27DB-BD31-4B8C-83A1-F6EECF244321}">
-                    <p14:modId xmlns:p14="http://schemas.microsoft.com/office/powerpoint/2010/main" val="2198205787"/>
+                    <p14:modId xmlns:p14="http://schemas.microsoft.com/office/powerpoint/2010/main" val="237656394"/>
                   </p:ext>
                 </p:extLst>
               </p:nvPr>
@@ -11645,9 +11934,9 @@
                         <a:p>
                           <a:pPr algn="ctr" rtl="0" fontAlgn="ctr"/>
                           <a:r>
-                            <a:rPr lang="en-US" altLang="zh-TW" sz="1800" b="0" i="0" u="none" strike="noStrike">
+                            <a:rPr lang="en-US" altLang="zh-TW" sz="1800" b="0" i="0" u="none" strike="noStrike" dirty="0">
                               <a:solidFill>
-                                <a:srgbClr val="000000"/>
+                                <a:srgbClr val="FF0000"/>
                               </a:solidFill>
                               <a:effectLst/>
                               <a:latin typeface="Calibri"/>
@@ -11722,9 +12011,9 @@
                         <a:p>
                           <a:pPr algn="ctr" rtl="0" fontAlgn="ctr"/>
                           <a:r>
-                            <a:rPr lang="en-US" altLang="zh-TW" sz="1800" b="0" i="0" u="none" strike="noStrike">
+                            <a:rPr lang="en-US" altLang="zh-TW" sz="1800" b="0" i="0" u="none" strike="noStrike" dirty="0">
                               <a:solidFill>
-                                <a:srgbClr val="000000"/>
+                                <a:srgbClr val="FF0000"/>
                               </a:solidFill>
                               <a:effectLst/>
                               <a:latin typeface="Calibri"/>
@@ -11801,7 +12090,7 @@
                           <a:r>
                             <a:rPr lang="en-US" altLang="zh-TW" sz="1800" b="0" i="0" u="none" strike="noStrike" dirty="0">
                               <a:solidFill>
-                                <a:srgbClr val="000000"/>
+                                <a:srgbClr val="FF0000"/>
                               </a:solidFill>
                               <a:effectLst/>
                               <a:latin typeface="Calibri"/>
@@ -11878,7 +12167,7 @@
                           <a:r>
                             <a:rPr lang="en-US" altLang="zh-TW" sz="1800" b="0" i="0" u="none" strike="noStrike" dirty="0">
                               <a:solidFill>
-                                <a:srgbClr val="000000"/>
+                                <a:srgbClr val="FF0000"/>
                               </a:solidFill>
                               <a:effectLst/>
                               <a:latin typeface="Calibri"/>
@@ -11905,7 +12194,7 @@
               <p:nvPr>
                 <p:extLst>
                   <p:ext uri="{D42A27DB-BD31-4B8C-83A1-F6EECF244321}">
-                    <p14:modId xmlns:p14="http://schemas.microsoft.com/office/powerpoint/2010/main" val="2198205787"/>
+                    <p14:modId xmlns:p14="http://schemas.microsoft.com/office/powerpoint/2010/main" val="237656394"/>
                   </p:ext>
                 </p:extLst>
               </p:nvPr>
@@ -12053,9 +12342,9 @@
                         <a:p>
                           <a:pPr algn="ctr" rtl="0" fontAlgn="ctr"/>
                           <a:r>
-                            <a:rPr lang="en-US" altLang="zh-TW" sz="1800" b="0" i="0" u="none" strike="noStrike">
+                            <a:rPr lang="en-US" altLang="zh-TW" sz="1800" b="0" i="0" u="none" strike="noStrike" dirty="0">
                               <a:solidFill>
-                                <a:srgbClr val="000000"/>
+                                <a:srgbClr val="FF0000"/>
                               </a:solidFill>
                               <a:effectLst/>
                               <a:latin typeface="Calibri"/>
@@ -12130,9 +12419,9 @@
                         <a:p>
                           <a:pPr algn="ctr" rtl="0" fontAlgn="ctr"/>
                           <a:r>
-                            <a:rPr lang="en-US" altLang="zh-TW" sz="1800" b="0" i="0" u="none" strike="noStrike">
+                            <a:rPr lang="en-US" altLang="zh-TW" sz="1800" b="0" i="0" u="none" strike="noStrike" dirty="0">
                               <a:solidFill>
-                                <a:srgbClr val="000000"/>
+                                <a:srgbClr val="FF0000"/>
                               </a:solidFill>
                               <a:effectLst/>
                               <a:latin typeface="Calibri"/>
@@ -12209,7 +12498,7 @@
                           <a:r>
                             <a:rPr lang="en-US" altLang="zh-TW" sz="1800" b="0" i="0" u="none" strike="noStrike" dirty="0">
                               <a:solidFill>
-                                <a:srgbClr val="000000"/>
+                                <a:srgbClr val="FF0000"/>
                               </a:solidFill>
                               <a:effectLst/>
                               <a:latin typeface="Calibri"/>
@@ -12286,7 +12575,7 @@
                           <a:r>
                             <a:rPr lang="en-US" altLang="zh-TW" sz="1800" b="0" i="0" u="none" strike="noStrike" dirty="0">
                               <a:solidFill>
-                                <a:srgbClr val="000000"/>
+                                <a:srgbClr val="FF0000"/>
                               </a:solidFill>
                               <a:effectLst/>
                               <a:latin typeface="Calibri"/>
@@ -12362,11 +12651,7 @@
             </a:pPr>
             <a:r>
               <a:rPr lang="en-US" altLang="zh-TW" sz="2400" dirty="0" smtClean="0"/>
-              <a:t>Batch Size = </a:t>
-            </a:r>
-            <a:r>
-              <a:rPr lang="en-US" altLang="zh-TW" sz="2400" dirty="0" smtClean="0"/>
-              <a:t>8</a:t>
+              <a:t>Batch Size = 8</a:t>
             </a:r>
             <a:endParaRPr lang="zh-TW" altLang="en-US" sz="2400" dirty="0"/>
           </a:p>
@@ -12516,8 +12801,8 @@
           </a:graphicData>
         </a:graphic>
       </p:graphicFrame>
-      <mc:AlternateContent xmlns:mc="http://schemas.openxmlformats.org/markup-compatibility/2006">
-        <mc:Choice xmlns:a14="http://schemas.microsoft.com/office/drawing/2010/main" Requires="a14">
+      <mc:AlternateContent xmlns:mc="http://schemas.openxmlformats.org/markup-compatibility/2006" xmlns:a14="http://schemas.microsoft.com/office/drawing/2010/main">
+        <mc:Choice Requires="a14">
           <p:graphicFrame>
             <p:nvGraphicFramePr>
               <p:cNvPr id="9" name="表格 8"/>
@@ -13036,7 +13321,7 @@
             </a:graphic>
           </p:graphicFrame>
         </mc:Choice>
-        <mc:Fallback>
+        <mc:Fallback xmlns="">
           <p:graphicFrame>
             <p:nvGraphicFramePr>
               <p:cNvPr id="9" name="表格 8"/>
